--- a/Module Test/ESP8266/test_module.pptx
+++ b/Module Test/ESP8266/test_module.pptx
@@ -158,10 +158,9 @@
           </a:lstStyle>
           <a:p>
             <a:r>
-              <a:rPr lang="en-US" smtClean="0"/>
+              <a:rPr lang="en-US"/>
               <a:t>Click to edit Master title style</a:t>
             </a:r>
-            <a:endParaRPr lang="en-US"/>
           </a:p>
         </p:txBody>
       </p:sp>
@@ -223,10 +222,9 @@
           </a:lstStyle>
           <a:p>
             <a:r>
-              <a:rPr lang="en-US" smtClean="0"/>
+              <a:rPr lang="en-US"/>
               <a:t>Click to edit Master subtitle style</a:t>
             </a:r>
-            <a:endParaRPr lang="en-US"/>
           </a:p>
         </p:txBody>
       </p:sp>
@@ -247,7 +245,7 @@
           <a:p>
             <a:fld id="{1D55B07B-5318-4CD0-B875-3612C319D3A0}" type="datetimeFigureOut">
               <a:rPr lang="en-US" smtClean="0"/>
-              <a:t>7/21/2025</a:t>
+              <a:t>8/6/2025</a:t>
             </a:fld>
             <a:endParaRPr lang="en-US"/>
           </a:p>
@@ -341,10 +339,9 @@
           <a:lstStyle/>
           <a:p>
             <a:r>
-              <a:rPr lang="en-US" smtClean="0"/>
+              <a:rPr lang="en-US"/>
               <a:t>Click to edit Master title style</a:t>
             </a:r>
-            <a:endParaRPr lang="en-US"/>
           </a:p>
         </p:txBody>
       </p:sp>
@@ -365,38 +362,37 @@
           <a:p>
             <a:pPr lvl="0"/>
             <a:r>
-              <a:rPr lang="en-US" smtClean="0"/>
+              <a:rPr lang="en-US"/>
               <a:t>Click to edit Master text styles</a:t>
             </a:r>
           </a:p>
           <a:p>
             <a:pPr lvl="1"/>
             <a:r>
-              <a:rPr lang="en-US" smtClean="0"/>
+              <a:rPr lang="en-US"/>
               <a:t>Second level</a:t>
             </a:r>
           </a:p>
           <a:p>
             <a:pPr lvl="2"/>
             <a:r>
-              <a:rPr lang="en-US" smtClean="0"/>
+              <a:rPr lang="en-US"/>
               <a:t>Third level</a:t>
             </a:r>
           </a:p>
           <a:p>
             <a:pPr lvl="3"/>
             <a:r>
-              <a:rPr lang="en-US" smtClean="0"/>
+              <a:rPr lang="en-US"/>
               <a:t>Fourth level</a:t>
             </a:r>
           </a:p>
           <a:p>
             <a:pPr lvl="4"/>
             <a:r>
-              <a:rPr lang="en-US" smtClean="0"/>
+              <a:rPr lang="en-US"/>
               <a:t>Fifth level</a:t>
             </a:r>
-            <a:endParaRPr lang="en-US"/>
           </a:p>
         </p:txBody>
       </p:sp>
@@ -417,7 +413,7 @@
           <a:p>
             <a:fld id="{1D55B07B-5318-4CD0-B875-3612C319D3A0}" type="datetimeFigureOut">
               <a:rPr lang="en-US" smtClean="0"/>
-              <a:t>7/21/2025</a:t>
+              <a:t>8/6/2025</a:t>
             </a:fld>
             <a:endParaRPr lang="en-US"/>
           </a:p>
@@ -516,10 +512,9 @@
           <a:lstStyle/>
           <a:p>
             <a:r>
-              <a:rPr lang="en-US" smtClean="0"/>
+              <a:rPr lang="en-US"/>
               <a:t>Click to edit Master title style</a:t>
             </a:r>
-            <a:endParaRPr lang="en-US"/>
           </a:p>
         </p:txBody>
       </p:sp>
@@ -545,38 +540,37 @@
           <a:p>
             <a:pPr lvl="0"/>
             <a:r>
-              <a:rPr lang="en-US" smtClean="0"/>
+              <a:rPr lang="en-US"/>
               <a:t>Click to edit Master text styles</a:t>
             </a:r>
           </a:p>
           <a:p>
             <a:pPr lvl="1"/>
             <a:r>
-              <a:rPr lang="en-US" smtClean="0"/>
+              <a:rPr lang="en-US"/>
               <a:t>Second level</a:t>
             </a:r>
           </a:p>
           <a:p>
             <a:pPr lvl="2"/>
             <a:r>
-              <a:rPr lang="en-US" smtClean="0"/>
+              <a:rPr lang="en-US"/>
               <a:t>Third level</a:t>
             </a:r>
           </a:p>
           <a:p>
             <a:pPr lvl="3"/>
             <a:r>
-              <a:rPr lang="en-US" smtClean="0"/>
+              <a:rPr lang="en-US"/>
               <a:t>Fourth level</a:t>
             </a:r>
           </a:p>
           <a:p>
             <a:pPr lvl="4"/>
             <a:r>
-              <a:rPr lang="en-US" smtClean="0"/>
+              <a:rPr lang="en-US"/>
               <a:t>Fifth level</a:t>
             </a:r>
-            <a:endParaRPr lang="en-US"/>
           </a:p>
         </p:txBody>
       </p:sp>
@@ -597,7 +591,7 @@
           <a:p>
             <a:fld id="{1D55B07B-5318-4CD0-B875-3612C319D3A0}" type="datetimeFigureOut">
               <a:rPr lang="en-US" smtClean="0"/>
-              <a:t>7/21/2025</a:t>
+              <a:t>8/6/2025</a:t>
             </a:fld>
             <a:endParaRPr lang="en-US"/>
           </a:p>
@@ -691,10 +685,9 @@
           <a:lstStyle/>
           <a:p>
             <a:r>
-              <a:rPr lang="en-US" smtClean="0"/>
+              <a:rPr lang="en-US"/>
               <a:t>Click to edit Master title style</a:t>
             </a:r>
-            <a:endParaRPr lang="en-US"/>
           </a:p>
         </p:txBody>
       </p:sp>
@@ -715,38 +708,37 @@
           <a:p>
             <a:pPr lvl="0"/>
             <a:r>
-              <a:rPr lang="en-US" smtClean="0"/>
+              <a:rPr lang="en-US"/>
               <a:t>Click to edit Master text styles</a:t>
             </a:r>
           </a:p>
           <a:p>
             <a:pPr lvl="1"/>
             <a:r>
-              <a:rPr lang="en-US" smtClean="0"/>
+              <a:rPr lang="en-US"/>
               <a:t>Second level</a:t>
             </a:r>
           </a:p>
           <a:p>
             <a:pPr lvl="2"/>
             <a:r>
-              <a:rPr lang="en-US" smtClean="0"/>
+              <a:rPr lang="en-US"/>
               <a:t>Third level</a:t>
             </a:r>
           </a:p>
           <a:p>
             <a:pPr lvl="3"/>
             <a:r>
-              <a:rPr lang="en-US" smtClean="0"/>
+              <a:rPr lang="en-US"/>
               <a:t>Fourth level</a:t>
             </a:r>
           </a:p>
           <a:p>
             <a:pPr lvl="4"/>
             <a:r>
-              <a:rPr lang="en-US" smtClean="0"/>
+              <a:rPr lang="en-US"/>
               <a:t>Fifth level</a:t>
             </a:r>
-            <a:endParaRPr lang="en-US"/>
           </a:p>
         </p:txBody>
       </p:sp>
@@ -767,7 +759,7 @@
           <a:p>
             <a:fld id="{1D55B07B-5318-4CD0-B875-3612C319D3A0}" type="datetimeFigureOut">
               <a:rPr lang="en-US" smtClean="0"/>
-              <a:t>7/21/2025</a:t>
+              <a:t>8/6/2025</a:t>
             </a:fld>
             <a:endParaRPr lang="en-US"/>
           </a:p>
@@ -870,10 +862,9 @@
           </a:lstStyle>
           <a:p>
             <a:r>
-              <a:rPr lang="en-US" smtClean="0"/>
+              <a:rPr lang="en-US"/>
               <a:t>Click to edit Master title style</a:t>
             </a:r>
-            <a:endParaRPr lang="en-US"/>
           </a:p>
         </p:txBody>
       </p:sp>
@@ -990,7 +981,7 @@
           <a:p>
             <a:pPr lvl="0"/>
             <a:r>
-              <a:rPr lang="en-US" smtClean="0"/>
+              <a:rPr lang="en-US"/>
               <a:t>Click to edit Master text styles</a:t>
             </a:r>
           </a:p>
@@ -1013,7 +1004,7 @@
           <a:p>
             <a:fld id="{1D55B07B-5318-4CD0-B875-3612C319D3A0}" type="datetimeFigureOut">
               <a:rPr lang="en-US" smtClean="0"/>
-              <a:t>7/21/2025</a:t>
+              <a:t>8/6/2025</a:t>
             </a:fld>
             <a:endParaRPr lang="en-US"/>
           </a:p>
@@ -1107,10 +1098,9 @@
           <a:lstStyle/>
           <a:p>
             <a:r>
-              <a:rPr lang="en-US" smtClean="0"/>
+              <a:rPr lang="en-US"/>
               <a:t>Click to edit Master title style</a:t>
             </a:r>
-            <a:endParaRPr lang="en-US"/>
           </a:p>
         </p:txBody>
       </p:sp>
@@ -1136,38 +1126,37 @@
           <a:p>
             <a:pPr lvl="0"/>
             <a:r>
-              <a:rPr lang="en-US" smtClean="0"/>
+              <a:rPr lang="en-US"/>
               <a:t>Click to edit Master text styles</a:t>
             </a:r>
           </a:p>
           <a:p>
             <a:pPr lvl="1"/>
             <a:r>
-              <a:rPr lang="en-US" smtClean="0"/>
+              <a:rPr lang="en-US"/>
               <a:t>Second level</a:t>
             </a:r>
           </a:p>
           <a:p>
             <a:pPr lvl="2"/>
             <a:r>
-              <a:rPr lang="en-US" smtClean="0"/>
+              <a:rPr lang="en-US"/>
               <a:t>Third level</a:t>
             </a:r>
           </a:p>
           <a:p>
             <a:pPr lvl="3"/>
             <a:r>
-              <a:rPr lang="en-US" smtClean="0"/>
+              <a:rPr lang="en-US"/>
               <a:t>Fourth level</a:t>
             </a:r>
           </a:p>
           <a:p>
             <a:pPr lvl="4"/>
             <a:r>
-              <a:rPr lang="en-US" smtClean="0"/>
+              <a:rPr lang="en-US"/>
               <a:t>Fifth level</a:t>
             </a:r>
-            <a:endParaRPr lang="en-US"/>
           </a:p>
         </p:txBody>
       </p:sp>
@@ -1193,38 +1182,37 @@
           <a:p>
             <a:pPr lvl="0"/>
             <a:r>
-              <a:rPr lang="en-US" smtClean="0"/>
+              <a:rPr lang="en-US"/>
               <a:t>Click to edit Master text styles</a:t>
             </a:r>
           </a:p>
           <a:p>
             <a:pPr lvl="1"/>
             <a:r>
-              <a:rPr lang="en-US" smtClean="0"/>
+              <a:rPr lang="en-US"/>
               <a:t>Second level</a:t>
             </a:r>
           </a:p>
           <a:p>
             <a:pPr lvl="2"/>
             <a:r>
-              <a:rPr lang="en-US" smtClean="0"/>
+              <a:rPr lang="en-US"/>
               <a:t>Third level</a:t>
             </a:r>
           </a:p>
           <a:p>
             <a:pPr lvl="3"/>
             <a:r>
-              <a:rPr lang="en-US" smtClean="0"/>
+              <a:rPr lang="en-US"/>
               <a:t>Fourth level</a:t>
             </a:r>
           </a:p>
           <a:p>
             <a:pPr lvl="4"/>
             <a:r>
-              <a:rPr lang="en-US" smtClean="0"/>
+              <a:rPr lang="en-US"/>
               <a:t>Fifth level</a:t>
             </a:r>
-            <a:endParaRPr lang="en-US"/>
           </a:p>
         </p:txBody>
       </p:sp>
@@ -1245,7 +1233,7 @@
           <a:p>
             <a:fld id="{1D55B07B-5318-4CD0-B875-3612C319D3A0}" type="datetimeFigureOut">
               <a:rPr lang="en-US" smtClean="0"/>
-              <a:t>7/21/2025</a:t>
+              <a:t>8/6/2025</a:t>
             </a:fld>
             <a:endParaRPr lang="en-US"/>
           </a:p>
@@ -1344,10 +1332,9 @@
           <a:lstStyle/>
           <a:p>
             <a:r>
-              <a:rPr lang="en-US" smtClean="0"/>
+              <a:rPr lang="en-US"/>
               <a:t>Click to edit Master title style</a:t>
             </a:r>
-            <a:endParaRPr lang="en-US"/>
           </a:p>
         </p:txBody>
       </p:sp>
@@ -1410,7 +1397,7 @@
           <a:p>
             <a:pPr lvl="0"/>
             <a:r>
-              <a:rPr lang="en-US" smtClean="0"/>
+              <a:rPr lang="en-US"/>
               <a:t>Click to edit Master text styles</a:t>
             </a:r>
           </a:p>
@@ -1438,38 +1425,37 @@
           <a:p>
             <a:pPr lvl="0"/>
             <a:r>
-              <a:rPr lang="en-US" smtClean="0"/>
+              <a:rPr lang="en-US"/>
               <a:t>Click to edit Master text styles</a:t>
             </a:r>
           </a:p>
           <a:p>
             <a:pPr lvl="1"/>
             <a:r>
-              <a:rPr lang="en-US" smtClean="0"/>
+              <a:rPr lang="en-US"/>
               <a:t>Second level</a:t>
             </a:r>
           </a:p>
           <a:p>
             <a:pPr lvl="2"/>
             <a:r>
-              <a:rPr lang="en-US" smtClean="0"/>
+              <a:rPr lang="en-US"/>
               <a:t>Third level</a:t>
             </a:r>
           </a:p>
           <a:p>
             <a:pPr lvl="3"/>
             <a:r>
-              <a:rPr lang="en-US" smtClean="0"/>
+              <a:rPr lang="en-US"/>
               <a:t>Fourth level</a:t>
             </a:r>
           </a:p>
           <a:p>
             <a:pPr lvl="4"/>
             <a:r>
-              <a:rPr lang="en-US" smtClean="0"/>
+              <a:rPr lang="en-US"/>
               <a:t>Fifth level</a:t>
             </a:r>
-            <a:endParaRPr lang="en-US"/>
           </a:p>
         </p:txBody>
       </p:sp>
@@ -1532,7 +1518,7 @@
           <a:p>
             <a:pPr lvl="0"/>
             <a:r>
-              <a:rPr lang="en-US" smtClean="0"/>
+              <a:rPr lang="en-US"/>
               <a:t>Click to edit Master text styles</a:t>
             </a:r>
           </a:p>
@@ -1560,38 +1546,37 @@
           <a:p>
             <a:pPr lvl="0"/>
             <a:r>
-              <a:rPr lang="en-US" smtClean="0"/>
+              <a:rPr lang="en-US"/>
               <a:t>Click to edit Master text styles</a:t>
             </a:r>
           </a:p>
           <a:p>
             <a:pPr lvl="1"/>
             <a:r>
-              <a:rPr lang="en-US" smtClean="0"/>
+              <a:rPr lang="en-US"/>
               <a:t>Second level</a:t>
             </a:r>
           </a:p>
           <a:p>
             <a:pPr lvl="2"/>
             <a:r>
-              <a:rPr lang="en-US" smtClean="0"/>
+              <a:rPr lang="en-US"/>
               <a:t>Third level</a:t>
             </a:r>
           </a:p>
           <a:p>
             <a:pPr lvl="3"/>
             <a:r>
-              <a:rPr lang="en-US" smtClean="0"/>
+              <a:rPr lang="en-US"/>
               <a:t>Fourth level</a:t>
             </a:r>
           </a:p>
           <a:p>
             <a:pPr lvl="4"/>
             <a:r>
-              <a:rPr lang="en-US" smtClean="0"/>
+              <a:rPr lang="en-US"/>
               <a:t>Fifth level</a:t>
             </a:r>
-            <a:endParaRPr lang="en-US"/>
           </a:p>
         </p:txBody>
       </p:sp>
@@ -1612,7 +1597,7 @@
           <a:p>
             <a:fld id="{1D55B07B-5318-4CD0-B875-3612C319D3A0}" type="datetimeFigureOut">
               <a:rPr lang="en-US" smtClean="0"/>
-              <a:t>7/21/2025</a:t>
+              <a:t>8/6/2025</a:t>
             </a:fld>
             <a:endParaRPr lang="en-US"/>
           </a:p>
@@ -1706,10 +1691,9 @@
           <a:lstStyle/>
           <a:p>
             <a:r>
-              <a:rPr lang="en-US" smtClean="0"/>
+              <a:rPr lang="en-US"/>
               <a:t>Click to edit Master title style</a:t>
             </a:r>
-            <a:endParaRPr lang="en-US"/>
           </a:p>
         </p:txBody>
       </p:sp>
@@ -1730,7 +1714,7 @@
           <a:p>
             <a:fld id="{1D55B07B-5318-4CD0-B875-3612C319D3A0}" type="datetimeFigureOut">
               <a:rPr lang="en-US" smtClean="0"/>
-              <a:t>7/21/2025</a:t>
+              <a:t>8/6/2025</a:t>
             </a:fld>
             <a:endParaRPr lang="en-US"/>
           </a:p>
@@ -1825,7 +1809,7 @@
           <a:p>
             <a:fld id="{1D55B07B-5318-4CD0-B875-3612C319D3A0}" type="datetimeFigureOut">
               <a:rPr lang="en-US" smtClean="0"/>
-              <a:t>7/21/2025</a:t>
+              <a:t>8/6/2025</a:t>
             </a:fld>
             <a:endParaRPr lang="en-US"/>
           </a:p>
@@ -1928,10 +1912,9 @@
           </a:lstStyle>
           <a:p>
             <a:r>
-              <a:rPr lang="en-US" smtClean="0"/>
+              <a:rPr lang="en-US"/>
               <a:t>Click to edit Master title style</a:t>
             </a:r>
-            <a:endParaRPr lang="en-US"/>
           </a:p>
         </p:txBody>
       </p:sp>
@@ -1985,38 +1968,37 @@
           <a:p>
             <a:pPr lvl="0"/>
             <a:r>
-              <a:rPr lang="en-US" smtClean="0"/>
+              <a:rPr lang="en-US"/>
               <a:t>Click to edit Master text styles</a:t>
             </a:r>
           </a:p>
           <a:p>
             <a:pPr lvl="1"/>
             <a:r>
-              <a:rPr lang="en-US" smtClean="0"/>
+              <a:rPr lang="en-US"/>
               <a:t>Second level</a:t>
             </a:r>
           </a:p>
           <a:p>
             <a:pPr lvl="2"/>
             <a:r>
-              <a:rPr lang="en-US" smtClean="0"/>
+              <a:rPr lang="en-US"/>
               <a:t>Third level</a:t>
             </a:r>
           </a:p>
           <a:p>
             <a:pPr lvl="3"/>
             <a:r>
-              <a:rPr lang="en-US" smtClean="0"/>
+              <a:rPr lang="en-US"/>
               <a:t>Fourth level</a:t>
             </a:r>
           </a:p>
           <a:p>
             <a:pPr lvl="4"/>
             <a:r>
-              <a:rPr lang="en-US" smtClean="0"/>
+              <a:rPr lang="en-US"/>
               <a:t>Fifth level</a:t>
             </a:r>
-            <a:endParaRPr lang="en-US"/>
           </a:p>
         </p:txBody>
       </p:sp>
@@ -2079,7 +2061,7 @@
           <a:p>
             <a:pPr lvl="0"/>
             <a:r>
-              <a:rPr lang="en-US" smtClean="0"/>
+              <a:rPr lang="en-US"/>
               <a:t>Click to edit Master text styles</a:t>
             </a:r>
           </a:p>
@@ -2102,7 +2084,7 @@
           <a:p>
             <a:fld id="{1D55B07B-5318-4CD0-B875-3612C319D3A0}" type="datetimeFigureOut">
               <a:rPr lang="en-US" smtClean="0"/>
-              <a:t>7/21/2025</a:t>
+              <a:t>8/6/2025</a:t>
             </a:fld>
             <a:endParaRPr lang="en-US"/>
           </a:p>
@@ -2205,10 +2187,9 @@
           </a:lstStyle>
           <a:p>
             <a:r>
-              <a:rPr lang="en-US" smtClean="0"/>
+              <a:rPr lang="en-US"/>
               <a:t>Click to edit Master title style</a:t>
             </a:r>
-            <a:endParaRPr lang="en-US"/>
           </a:p>
         </p:txBody>
       </p:sp>
@@ -2332,7 +2313,7 @@
           <a:p>
             <a:pPr lvl="0"/>
             <a:r>
-              <a:rPr lang="en-US" smtClean="0"/>
+              <a:rPr lang="en-US"/>
               <a:t>Click to edit Master text styles</a:t>
             </a:r>
           </a:p>
@@ -2355,7 +2336,7 @@
           <a:p>
             <a:fld id="{1D55B07B-5318-4CD0-B875-3612C319D3A0}" type="datetimeFigureOut">
               <a:rPr lang="en-US" smtClean="0"/>
-              <a:t>7/21/2025</a:t>
+              <a:t>8/6/2025</a:t>
             </a:fld>
             <a:endParaRPr lang="en-US"/>
           </a:p>
@@ -2464,10 +2445,9 @@
           <a:lstStyle/>
           <a:p>
             <a:r>
-              <a:rPr lang="en-US" smtClean="0"/>
+              <a:rPr lang="en-US"/>
               <a:t>Click to edit Master title style</a:t>
             </a:r>
-            <a:endParaRPr lang="en-US"/>
           </a:p>
         </p:txBody>
       </p:sp>
@@ -2498,38 +2478,37 @@
           <a:p>
             <a:pPr lvl="0"/>
             <a:r>
-              <a:rPr lang="en-US" smtClean="0"/>
+              <a:rPr lang="en-US"/>
               <a:t>Click to edit Master text styles</a:t>
             </a:r>
           </a:p>
           <a:p>
             <a:pPr lvl="1"/>
             <a:r>
-              <a:rPr lang="en-US" smtClean="0"/>
+              <a:rPr lang="en-US"/>
               <a:t>Second level</a:t>
             </a:r>
           </a:p>
           <a:p>
             <a:pPr lvl="2"/>
             <a:r>
-              <a:rPr lang="en-US" smtClean="0"/>
+              <a:rPr lang="en-US"/>
               <a:t>Third level</a:t>
             </a:r>
           </a:p>
           <a:p>
             <a:pPr lvl="3"/>
             <a:r>
-              <a:rPr lang="en-US" smtClean="0"/>
+              <a:rPr lang="en-US"/>
               <a:t>Fourth level</a:t>
             </a:r>
           </a:p>
           <a:p>
             <a:pPr lvl="4"/>
             <a:r>
-              <a:rPr lang="en-US" smtClean="0"/>
+              <a:rPr lang="en-US"/>
               <a:t>Fifth level</a:t>
             </a:r>
-            <a:endParaRPr lang="en-US"/>
           </a:p>
         </p:txBody>
       </p:sp>
@@ -2568,7 +2547,7 @@
           <a:p>
             <a:fld id="{1D55B07B-5318-4CD0-B875-3612C319D3A0}" type="datetimeFigureOut">
               <a:rPr lang="en-US" smtClean="0"/>
-              <a:t>7/21/2025</a:t>
+              <a:t>8/6/2025</a:t>
             </a:fld>
             <a:endParaRPr lang="en-US"/>
           </a:p>
@@ -2995,10 +2974,9 @@
           <a:p>
             <a:pPr algn="ctr"/>
             <a:r>
-              <a:rPr lang="en-US" dirty="0" smtClean="0"/>
+              <a:rPr lang="en-US" dirty="0"/>
               <a:t>Test Module NodeMCU Code</a:t>
             </a:r>
-            <a:endParaRPr lang="en-US" dirty="0"/>
           </a:p>
         </p:txBody>
       </p:sp>
@@ -3024,10 +3002,9 @@
           <a:p>
             <a:pPr algn="ctr"/>
             <a:r>
-              <a:rPr lang="en-US" dirty="0" smtClean="0"/>
+              <a:rPr lang="en-US" dirty="0"/>
               <a:t>Network setup, topics, broker connection</a:t>
             </a:r>
-            <a:endParaRPr lang="en-US" dirty="0"/>
           </a:p>
         </p:txBody>
       </p:sp>
@@ -3108,14 +3085,9 @@
           <a:lstStyle/>
           <a:p>
             <a:r>
-              <a:rPr lang="en-US" sz="2800" dirty="0" smtClean="0"/>
-              <a:t>NodeMCU </a:t>
-            </a:r>
-            <a:r>
-              <a:rPr lang="en-US" sz="2800" dirty="0" smtClean="0"/>
-              <a:t>V2.0 Pinout</a:t>
-            </a:r>
-            <a:endParaRPr lang="en-US" sz="2800" dirty="0" smtClean="0"/>
+              <a:rPr lang="en-US" sz="2800" dirty="0"/>
+              <a:t>NodeMCU V2.0 Pinout</a:t>
+            </a:r>
           </a:p>
         </p:txBody>
       </p:sp>
@@ -3172,10 +3144,9 @@
           <a:lstStyle/>
           <a:p>
             <a:r>
-              <a:rPr lang="en-US" sz="3600" dirty="0" smtClean="0"/>
+              <a:rPr lang="en-US" sz="3600" dirty="0"/>
               <a:t>Network Setup</a:t>
             </a:r>
-            <a:endParaRPr lang="en-US" sz="3600" dirty="0"/>
           </a:p>
         </p:txBody>
       </p:sp>
@@ -3229,18 +3200,18 @@
               <a:buChar char="•"/>
             </a:pPr>
             <a:r>
-              <a:rPr lang="en-US" sz="1600" dirty="0" smtClean="0"/>
+              <a:rPr lang="en-US" sz="1600" dirty="0"/>
               <a:t>Check the </a:t>
             </a:r>
             <a:r>
-              <a:rPr lang="en-US" sz="1600" b="1" dirty="0" smtClean="0"/>
+              <a:rPr lang="en-US" sz="1600" b="1" dirty="0"/>
               <a:t>Wi-Fi </a:t>
             </a:r>
             <a:r>
-              <a:rPr lang="en-US" sz="1600" dirty="0" smtClean="0"/>
+              <a:rPr lang="en-US" sz="1600" dirty="0"/>
               <a:t>configs in code. Enter the correct ssid (network name) and password.</a:t>
             </a:r>
-            <a:endParaRPr lang="en-US" sz="1600" dirty="0" smtClean="0">
+            <a:endParaRPr lang="en-US" sz="1600" dirty="0">
               <a:solidFill>
                 <a:srgbClr val="0070C0"/>
               </a:solidFill>
@@ -3264,7 +3235,7 @@
               <a:t> configs in code. Enter the correct broker Public IP address in </a:t>
             </a:r>
             <a:r>
-              <a:rPr lang="en-US" sz="1600" dirty="0" smtClean="0">
+              <a:rPr lang="en-US" sz="1600" dirty="0">
                 <a:solidFill>
                   <a:srgbClr val="0070C0"/>
                 </a:solidFill>
@@ -3336,7 +3307,7 @@
               <a:buChar char="•"/>
             </a:pPr>
             <a:r>
-              <a:rPr lang="en-US" sz="1600" dirty="0" smtClean="0"/>
+              <a:rPr lang="en-US" sz="1600" dirty="0"/>
               <a:t>If the above settings are correct, after uploading the code into the board and opening serial monitor (in 155200 baud) you should see success output like below. </a:t>
             </a:r>
             <a:endParaRPr lang="en-US" sz="1600" dirty="0">
@@ -3423,10 +3394,9 @@
           <a:lstStyle/>
           <a:p>
             <a:r>
-              <a:rPr lang="en-US" sz="3600" dirty="0" smtClean="0"/>
+              <a:rPr lang="en-US" sz="3600" dirty="0"/>
               <a:t>Board</a:t>
             </a:r>
-            <a:endParaRPr lang="en-US" sz="3600" dirty="0"/>
           </a:p>
         </p:txBody>
       </p:sp>
@@ -3468,8 +3438,8 @@
         </p:nvSpPr>
         <p:spPr>
           <a:xfrm>
-            <a:off x="177767" y="1790848"/>
-            <a:ext cx="5895525" cy="1477328"/>
+            <a:off x="245860" y="1567549"/>
+            <a:ext cx="5260543" cy="1477328"/>
           </a:xfrm>
           <a:prstGeom prst="rect">
             <a:avLst/>
@@ -3483,8 +3453,8 @@
           <a:lstStyle/>
           <a:p>
             <a:r>
-              <a:rPr lang="en-US" dirty="0" smtClean="0"/>
-              <a:t>Four LEDs are used in this test module</a:t>
+              <a:rPr lang="en-US" dirty="0"/>
+              <a:t>Line #1: Connection status</a:t>
             </a:r>
           </a:p>
           <a:p>
@@ -3493,7 +3463,7 @@
               <a:buChar char="•"/>
             </a:pPr>
             <a:r>
-              <a:rPr lang="en-US" dirty="0" smtClean="0">
+              <a:rPr lang="en-US" dirty="0">
                 <a:solidFill>
                   <a:srgbClr val="00B050"/>
                 </a:solidFill>
@@ -3501,16 +3471,8 @@
               <a:t>Green</a:t>
             </a:r>
             <a:r>
-              <a:rPr lang="en-US" dirty="0" smtClean="0"/>
-              <a:t>: ON Wi-Fi is connected/ OFF Wi-Fi </a:t>
-            </a:r>
-            <a:r>
               <a:rPr lang="en-US" dirty="0"/>
-              <a:t>is </a:t>
-            </a:r>
-            <a:r>
-              <a:rPr lang="en-US" dirty="0" smtClean="0"/>
-              <a:t>not connected</a:t>
+              <a:t>: Wi-Fi is connected</a:t>
             </a:r>
           </a:p>
           <a:p>
@@ -3519,7 +3481,7 @@
               <a:buChar char="•"/>
             </a:pPr>
             <a:r>
-              <a:rPr lang="en-US" dirty="0" smtClean="0">
+              <a:rPr lang="en-US" dirty="0">
                 <a:solidFill>
                   <a:srgbClr val="FF0000"/>
                 </a:solidFill>
@@ -3527,16 +3489,8 @@
               <a:t>Red</a:t>
             </a:r>
             <a:r>
-              <a:rPr lang="en-US" dirty="0" smtClean="0"/>
-              <a:t>:     ON </a:t>
-            </a:r>
-            <a:r>
               <a:rPr lang="en-US" dirty="0"/>
-              <a:t>Wi-Fi </a:t>
-            </a:r>
-            <a:r>
-              <a:rPr lang="en-US" dirty="0" smtClean="0"/>
-              <a:t>has disconnected</a:t>
+              <a:t>:     No Wi-Fi</a:t>
             </a:r>
           </a:p>
           <a:p>
@@ -3545,7 +3499,7 @@
               <a:buChar char="•"/>
             </a:pPr>
             <a:r>
-              <a:rPr lang="en-US" dirty="0" smtClean="0">
+              <a:rPr lang="en-US" dirty="0">
                 <a:solidFill>
                   <a:srgbClr val="0070C0"/>
                 </a:solidFill>
@@ -3553,7 +3507,7 @@
               <a:t>Blue</a:t>
             </a:r>
             <a:r>
-              <a:rPr lang="en-US" dirty="0" smtClean="0"/>
+              <a:rPr lang="en-US" dirty="0"/>
               <a:t>:    Module Has sent a payload through MQTT</a:t>
             </a:r>
           </a:p>
@@ -3563,7 +3517,7 @@
               <a:buChar char="•"/>
             </a:pPr>
             <a:r>
-              <a:rPr lang="en-US" dirty="0" smtClean="0">
+              <a:rPr lang="en-US" dirty="0">
                 <a:solidFill>
                   <a:srgbClr val="FFC000"/>
                 </a:solidFill>
@@ -3571,26 +3525,9 @@
               <a:t>Yellow</a:t>
             </a:r>
             <a:r>
-              <a:rPr lang="en-US" dirty="0" smtClean="0"/>
-              <a:t>: </a:t>
-            </a:r>
-            <a:r>
               <a:rPr lang="en-US" dirty="0"/>
-              <a:t>Module Has </a:t>
-            </a:r>
-            <a:r>
-              <a:rPr lang="en-US" dirty="0" smtClean="0"/>
-              <a:t>received a </a:t>
-            </a:r>
-            <a:r>
-              <a:rPr lang="en-US" dirty="0"/>
-              <a:t>payload </a:t>
-            </a:r>
-            <a:r>
-              <a:rPr lang="en-US" dirty="0" smtClean="0"/>
-              <a:t>from MQTT</a:t>
-            </a:r>
-            <a:endParaRPr lang="en-US" dirty="0"/>
+              <a:t>: Module Has received a payload from MQTT</a:t>
+            </a:r>
           </a:p>
         </p:txBody>
       </p:sp>
@@ -3602,7 +3539,7 @@
         </p:nvSpPr>
         <p:spPr>
           <a:xfrm>
-            <a:off x="177766" y="4035340"/>
+            <a:off x="245859" y="5482249"/>
             <a:ext cx="5895526" cy="1200329"/>
           </a:xfrm>
           <a:prstGeom prst="rect">
@@ -3617,8 +3554,8 @@
           <a:lstStyle/>
           <a:p>
             <a:r>
-              <a:rPr lang="en-US" dirty="0" smtClean="0"/>
-              <a:t>At the beginning of the process all four LEDs will be On for 1 seconds.</a:t>
+              <a:rPr lang="en-US" dirty="0"/>
+              <a:t>At the beginning of the process all four LEDs at Line #1 will be On for 1 seconds.</a:t>
             </a:r>
           </a:p>
           <a:p>
@@ -3626,6 +3563,301 @@
           </a:p>
           <a:p>
             <a:endParaRPr lang="en-US" dirty="0"/>
+          </a:p>
+        </p:txBody>
+      </p:sp>
+      <p:sp>
+        <p:nvSpPr>
+          <p:cNvPr id="3" name="Rectangle: Rounded Corners 2">
+            <a:extLst>
+              <a:ext uri="{FF2B5EF4-FFF2-40B4-BE49-F238E27FC236}">
+                <a16:creationId xmlns:a16="http://schemas.microsoft.com/office/drawing/2014/main" id="{3882F445-1B2E-FAFA-775A-22939EB2825A}"/>
+              </a:ext>
+            </a:extLst>
+          </p:cNvPr>
+          <p:cNvSpPr/>
+          <p:nvPr/>
+        </p:nvSpPr>
+        <p:spPr>
+          <a:xfrm>
+            <a:off x="7016314" y="3268176"/>
+            <a:ext cx="2859932" cy="535339"/>
+          </a:xfrm>
+          <a:prstGeom prst="roundRect">
+            <a:avLst/>
+          </a:prstGeom>
+          <a:noFill/>
+          <a:ln w="28575">
+            <a:solidFill>
+              <a:srgbClr val="FFFF00"/>
+            </a:solidFill>
+          </a:ln>
+        </p:spPr>
+        <p:style>
+          <a:lnRef idx="2">
+            <a:schemeClr val="accent1">
+              <a:shade val="15000"/>
+            </a:schemeClr>
+          </a:lnRef>
+          <a:fillRef idx="1">
+            <a:schemeClr val="accent1"/>
+          </a:fillRef>
+          <a:effectRef idx="0">
+            <a:schemeClr val="accent1"/>
+          </a:effectRef>
+          <a:fontRef idx="minor">
+            <a:schemeClr val="lt1"/>
+          </a:fontRef>
+        </p:style>
+        <p:txBody>
+          <a:bodyPr rtlCol="0" anchor="ctr"/>
+          <a:lstStyle/>
+          <a:p>
+            <a:pPr algn="ctr"/>
+            <a:endParaRPr lang="en-US"/>
+          </a:p>
+        </p:txBody>
+      </p:sp>
+      <p:sp>
+        <p:nvSpPr>
+          <p:cNvPr id="4" name="TextBox 3">
+            <a:extLst>
+              <a:ext uri="{FF2B5EF4-FFF2-40B4-BE49-F238E27FC236}">
+                <a16:creationId xmlns:a16="http://schemas.microsoft.com/office/drawing/2014/main" id="{9FD055BA-02CD-BC06-4230-19802732365A}"/>
+              </a:ext>
+            </a:extLst>
+          </p:cNvPr>
+          <p:cNvSpPr txBox="1"/>
+          <p:nvPr/>
+        </p:nvSpPr>
+        <p:spPr>
+          <a:xfrm>
+            <a:off x="5958099" y="3336118"/>
+            <a:ext cx="857927" cy="369332"/>
+          </a:xfrm>
+          <a:prstGeom prst="rect">
+            <a:avLst/>
+          </a:prstGeom>
+          <a:noFill/>
+        </p:spPr>
+        <p:txBody>
+          <a:bodyPr wrap="none" rtlCol="0">
+            <a:spAutoFit/>
+          </a:bodyPr>
+          <a:lstStyle/>
+          <a:p>
+            <a:r>
+              <a:rPr lang="en-US" dirty="0">
+                <a:highlight>
+                  <a:srgbClr val="FFFF00"/>
+                </a:highlight>
+              </a:rPr>
+              <a:t>Line #1</a:t>
+            </a:r>
+          </a:p>
+        </p:txBody>
+      </p:sp>
+      <p:sp>
+        <p:nvSpPr>
+          <p:cNvPr id="5" name="TextBox 4">
+            <a:extLst>
+              <a:ext uri="{FF2B5EF4-FFF2-40B4-BE49-F238E27FC236}">
+                <a16:creationId xmlns:a16="http://schemas.microsoft.com/office/drawing/2014/main" id="{80B663D7-B9B7-9620-CE6E-F4AFF411EDE0}"/>
+              </a:ext>
+            </a:extLst>
+          </p:cNvPr>
+          <p:cNvSpPr txBox="1"/>
+          <p:nvPr/>
+        </p:nvSpPr>
+        <p:spPr>
+          <a:xfrm>
+            <a:off x="5958099" y="3938524"/>
+            <a:ext cx="857927" cy="369332"/>
+          </a:xfrm>
+          <a:prstGeom prst="rect">
+            <a:avLst/>
+          </a:prstGeom>
+          <a:noFill/>
+        </p:spPr>
+        <p:txBody>
+          <a:bodyPr wrap="none" rtlCol="0">
+            <a:spAutoFit/>
+          </a:bodyPr>
+          <a:lstStyle/>
+          <a:p>
+            <a:r>
+              <a:rPr lang="en-US" dirty="0">
+                <a:highlight>
+                  <a:srgbClr val="FFFF00"/>
+                </a:highlight>
+              </a:rPr>
+              <a:t>Line #2</a:t>
+            </a:r>
+          </a:p>
+        </p:txBody>
+      </p:sp>
+      <p:sp>
+        <p:nvSpPr>
+          <p:cNvPr id="6" name="TextBox 5">
+            <a:extLst>
+              <a:ext uri="{FF2B5EF4-FFF2-40B4-BE49-F238E27FC236}">
+                <a16:creationId xmlns:a16="http://schemas.microsoft.com/office/drawing/2014/main" id="{F25F4894-E0E7-3926-A86C-08E704EC02C9}"/>
+              </a:ext>
+            </a:extLst>
+          </p:cNvPr>
+          <p:cNvSpPr txBox="1"/>
+          <p:nvPr/>
+        </p:nvSpPr>
+        <p:spPr>
+          <a:xfrm>
+            <a:off x="245859" y="3384526"/>
+            <a:ext cx="4145622" cy="1477328"/>
+          </a:xfrm>
+          <a:prstGeom prst="rect">
+            <a:avLst/>
+          </a:prstGeom>
+          <a:noFill/>
+        </p:spPr>
+        <p:txBody>
+          <a:bodyPr wrap="none" rtlCol="0">
+            <a:spAutoFit/>
+          </a:bodyPr>
+          <a:lstStyle/>
+          <a:p>
+            <a:r>
+              <a:rPr lang="en-US" dirty="0"/>
+              <a:t>Line #2: Lock status</a:t>
+            </a:r>
+          </a:p>
+          <a:p>
+            <a:pPr marL="285750" indent="-285750">
+              <a:buFont typeface="Arial" panose="020B0604020202020204" pitchFamily="34" charset="0"/>
+              <a:buChar char="•"/>
+            </a:pPr>
+            <a:r>
+              <a:rPr lang="en-US" dirty="0">
+                <a:solidFill>
+                  <a:srgbClr val="00B050"/>
+                </a:solidFill>
+              </a:rPr>
+              <a:t>Green</a:t>
+            </a:r>
+            <a:r>
+              <a:rPr lang="en-US" dirty="0"/>
+              <a:t>: Lock</a:t>
+            </a:r>
+          </a:p>
+          <a:p>
+            <a:pPr marL="285750" indent="-285750">
+              <a:buFont typeface="Arial" panose="020B0604020202020204" pitchFamily="34" charset="0"/>
+              <a:buChar char="•"/>
+            </a:pPr>
+            <a:r>
+              <a:rPr lang="en-US" dirty="0">
+                <a:solidFill>
+                  <a:srgbClr val="FF0000"/>
+                </a:solidFill>
+              </a:rPr>
+              <a:t>Red</a:t>
+            </a:r>
+            <a:r>
+              <a:rPr lang="en-US" dirty="0"/>
+              <a:t>:     Unlock</a:t>
+            </a:r>
+          </a:p>
+          <a:p>
+            <a:r>
+              <a:rPr lang="en-US" dirty="0"/>
+              <a:t>Also, if Servo is connected, it will rotate by</a:t>
+            </a:r>
+          </a:p>
+          <a:p>
+            <a:r>
+              <a:rPr lang="en-US" dirty="0"/>
+              <a:t>lock, unlock commands</a:t>
+            </a:r>
+          </a:p>
+        </p:txBody>
+      </p:sp>
+      <p:pic>
+        <p:nvPicPr>
+          <p:cNvPr id="11" name="Picture 10">
+            <a:extLst>
+              <a:ext uri="{FF2B5EF4-FFF2-40B4-BE49-F238E27FC236}">
+                <a16:creationId xmlns:a16="http://schemas.microsoft.com/office/drawing/2014/main" id="{FB80B7D5-44BF-52F6-EE1E-21B9C08601E4}"/>
+              </a:ext>
+            </a:extLst>
+          </p:cNvPr>
+          <p:cNvPicPr>
+            <a:picLocks noChangeAspect="1"/>
+          </p:cNvPicPr>
+          <p:nvPr/>
+        </p:nvPicPr>
+        <p:blipFill>
+          <a:blip r:embed="rId3"/>
+          <a:stretch>
+            <a:fillRect/>
+          </a:stretch>
+        </p:blipFill>
+        <p:spPr>
+          <a:xfrm>
+            <a:off x="6719959" y="3909575"/>
+            <a:ext cx="1095528" cy="295316"/>
+          </a:xfrm>
+          <a:prstGeom prst="rect">
+            <a:avLst/>
+          </a:prstGeom>
+        </p:spPr>
+      </p:pic>
+      <p:sp>
+        <p:nvSpPr>
+          <p:cNvPr id="12" name="Rectangle: Rounded Corners 11">
+            <a:extLst>
+              <a:ext uri="{FF2B5EF4-FFF2-40B4-BE49-F238E27FC236}">
+                <a16:creationId xmlns:a16="http://schemas.microsoft.com/office/drawing/2014/main" id="{758B69D0-DBAC-8718-AFA0-69058FFC8052}"/>
+              </a:ext>
+            </a:extLst>
+          </p:cNvPr>
+          <p:cNvSpPr/>
+          <p:nvPr/>
+        </p:nvSpPr>
+        <p:spPr>
+          <a:xfrm>
+            <a:off x="6772774" y="3909575"/>
+            <a:ext cx="1194179" cy="331214"/>
+          </a:xfrm>
+          <a:prstGeom prst="roundRect">
+            <a:avLst/>
+          </a:prstGeom>
+          <a:noFill/>
+          <a:ln w="28575">
+            <a:solidFill>
+              <a:srgbClr val="FFFF00"/>
+            </a:solidFill>
+          </a:ln>
+        </p:spPr>
+        <p:style>
+          <a:lnRef idx="2">
+            <a:schemeClr val="accent1">
+              <a:shade val="15000"/>
+            </a:schemeClr>
+          </a:lnRef>
+          <a:fillRef idx="1">
+            <a:schemeClr val="accent1"/>
+          </a:fillRef>
+          <a:effectRef idx="0">
+            <a:schemeClr val="accent1"/>
+          </a:effectRef>
+          <a:fontRef idx="minor">
+            <a:schemeClr val="lt1"/>
+          </a:fontRef>
+        </p:style>
+        <p:txBody>
+          <a:bodyPr rtlCol="0" anchor="ctr"/>
+          <a:lstStyle/>
+          <a:p>
+            <a:pPr algn="ctr"/>
+            <a:endParaRPr lang="en-US"/>
           </a:p>
         </p:txBody>
       </p:sp>
@@ -3682,10 +3914,9 @@
           <a:lstStyle/>
           <a:p>
             <a:r>
-              <a:rPr lang="en-US" sz="3600" dirty="0" smtClean="0"/>
+              <a:rPr lang="en-US" sz="3600" dirty="0"/>
               <a:t>Topics</a:t>
             </a:r>
-            <a:endParaRPr lang="en-US" sz="3600" dirty="0"/>
           </a:p>
         </p:txBody>
       </p:sp>
@@ -3712,7 +3943,7 @@
           <a:lstStyle/>
           <a:p>
             <a:r>
-              <a:rPr lang="en-US" sz="1600" dirty="0" smtClean="0"/>
+              <a:rPr lang="en-US" sz="1600" dirty="0"/>
               <a:t>Publishes on: test/truck/0/data</a:t>
             </a:r>
           </a:p>
@@ -3722,19 +3953,9 @@
               <a:buChar char="•"/>
             </a:pPr>
             <a:r>
-              <a:rPr lang="en-US" sz="1600" dirty="0" smtClean="0"/>
-              <a:t>Can send any payload</a:t>
-            </a:r>
-          </a:p>
-          <a:p>
-            <a:pPr marL="285750" indent="-285750">
-              <a:buFont typeface="Arial" panose="020B0604020202020204" pitchFamily="34" charset="0"/>
-              <a:buChar char="•"/>
-            </a:pPr>
-            <a:endParaRPr lang="en-US" sz="1600" dirty="0" smtClean="0"/>
-          </a:p>
-          <a:p>
-            <a:endParaRPr lang="en-US" sz="1600" dirty="0" smtClean="0"/>
+              <a:rPr lang="en-US" sz="1600" dirty="0"/>
+              <a:t>Can send any payload on any topic</a:t>
+            </a:r>
           </a:p>
           <a:p>
             <a:pPr marL="285750" indent="-285750">
@@ -3744,29 +3965,29 @@
             <a:endParaRPr lang="en-US" sz="1600" dirty="0"/>
           </a:p>
           <a:p>
+            <a:endParaRPr lang="en-US" sz="1600" dirty="0"/>
+          </a:p>
+          <a:p>
             <a:pPr marL="285750" indent="-285750">
               <a:buFont typeface="Arial" panose="020B0604020202020204" pitchFamily="34" charset="0"/>
               <a:buChar char="•"/>
             </a:pPr>
-            <a:endParaRPr lang="en-US" sz="1600" dirty="0" smtClean="0"/>
-          </a:p>
-          <a:p>
-            <a:endParaRPr lang="en-US" sz="1600" dirty="0" smtClean="0"/>
-          </a:p>
-          <a:p>
-            <a:r>
-              <a:rPr lang="en-US" sz="1600" dirty="0" smtClean="0"/>
-              <a:t>Subscribes to: test/truck/0/command/lock</a:t>
-            </a:r>
+            <a:endParaRPr lang="en-US" sz="1600" dirty="0"/>
           </a:p>
           <a:p>
             <a:pPr marL="285750" indent="-285750">
               <a:buFont typeface="Arial" panose="020B0604020202020204" pitchFamily="34" charset="0"/>
               <a:buChar char="•"/>
             </a:pPr>
-            <a:r>
-              <a:rPr lang="en-US" sz="1600" dirty="0" smtClean="0"/>
-              <a:t>Expect to receive ‘lock’ and ‘unlock’ text payloads.</a:t>
+            <a:endParaRPr lang="en-US" sz="1600" dirty="0"/>
+          </a:p>
+          <a:p>
+            <a:endParaRPr lang="en-US" sz="1600" dirty="0"/>
+          </a:p>
+          <a:p>
+            <a:r>
+              <a:rPr lang="en-US" sz="1600" dirty="0"/>
+              <a:t>Subscribes to: test/truck/0/command/lock</a:t>
             </a:r>
           </a:p>
           <a:p>
@@ -3775,10 +3996,19 @@
               <a:buChar char="•"/>
             </a:pPr>
             <a:r>
-              <a:rPr lang="en-US" sz="1600" dirty="0" smtClean="0"/>
+              <a:rPr lang="en-US" sz="1600" dirty="0"/>
+              <a:t>Expect to receive ‘lock’ and ‘unlock’ text payloads.</a:t>
+            </a:r>
+          </a:p>
+          <a:p>
+            <a:pPr marL="285750" indent="-285750">
+              <a:buFont typeface="Arial" panose="020B0604020202020204" pitchFamily="34" charset="0"/>
+              <a:buChar char="•"/>
+            </a:pPr>
+            <a:r>
+              <a:rPr lang="en-US" sz="1600" dirty="0"/>
               <a:t>Rotates the servo motor accordingly.</a:t>
             </a:r>
-            <a:endParaRPr lang="en-US" sz="1600" dirty="0"/>
           </a:p>
           <a:p>
             <a:endParaRPr lang="en-US" sz="1600" dirty="0"/>
@@ -3807,10 +4037,9 @@
           <a:lstStyle/>
           <a:p>
             <a:r>
-              <a:rPr lang="en-US" sz="1600" dirty="0" smtClean="0"/>
+              <a:rPr lang="en-US" sz="1600" dirty="0"/>
               <a:t>mosquitto_sub -h 2.177.238.83 -t test/truck/0/data</a:t>
             </a:r>
-            <a:endParaRPr lang="en-US" sz="1600" dirty="0"/>
           </a:p>
         </p:txBody>
       </p:sp>
@@ -3836,10 +4065,9 @@
           <a:lstStyle/>
           <a:p>
             <a:r>
-              <a:rPr lang="en-US" b="1" dirty="0" smtClean="0"/>
+              <a:rPr lang="en-US" b="1" dirty="0"/>
               <a:t>Test Module NodeMCU</a:t>
             </a:r>
-            <a:endParaRPr lang="en-US" b="1" dirty="0"/>
           </a:p>
         </p:txBody>
       </p:sp>
@@ -3865,10 +4093,9 @@
           <a:lstStyle/>
           <a:p>
             <a:r>
-              <a:rPr lang="en-US" b="1" dirty="0" smtClean="0"/>
+              <a:rPr lang="en-US" b="1" dirty="0"/>
               <a:t>Broker</a:t>
             </a:r>
-            <a:endParaRPr lang="en-US" b="1" dirty="0"/>
           </a:p>
         </p:txBody>
       </p:sp>

--- a/Module Test/ESP8266/test_module.pptx
+++ b/Module Test/ESP8266/test_module.pptx
@@ -245,7 +245,7 @@
           <a:p>
             <a:fld id="{1D55B07B-5318-4CD0-B875-3612C319D3A0}" type="datetimeFigureOut">
               <a:rPr lang="en-US" smtClean="0"/>
-              <a:t>8/6/2025</a:t>
+              <a:t>8/12/2025</a:t>
             </a:fld>
             <a:endParaRPr lang="en-US"/>
           </a:p>
@@ -413,7 +413,7 @@
           <a:p>
             <a:fld id="{1D55B07B-5318-4CD0-B875-3612C319D3A0}" type="datetimeFigureOut">
               <a:rPr lang="en-US" smtClean="0"/>
-              <a:t>8/6/2025</a:t>
+              <a:t>8/12/2025</a:t>
             </a:fld>
             <a:endParaRPr lang="en-US"/>
           </a:p>
@@ -591,7 +591,7 @@
           <a:p>
             <a:fld id="{1D55B07B-5318-4CD0-B875-3612C319D3A0}" type="datetimeFigureOut">
               <a:rPr lang="en-US" smtClean="0"/>
-              <a:t>8/6/2025</a:t>
+              <a:t>8/12/2025</a:t>
             </a:fld>
             <a:endParaRPr lang="en-US"/>
           </a:p>
@@ -759,7 +759,7 @@
           <a:p>
             <a:fld id="{1D55B07B-5318-4CD0-B875-3612C319D3A0}" type="datetimeFigureOut">
               <a:rPr lang="en-US" smtClean="0"/>
-              <a:t>8/6/2025</a:t>
+              <a:t>8/12/2025</a:t>
             </a:fld>
             <a:endParaRPr lang="en-US"/>
           </a:p>
@@ -1004,7 +1004,7 @@
           <a:p>
             <a:fld id="{1D55B07B-5318-4CD0-B875-3612C319D3A0}" type="datetimeFigureOut">
               <a:rPr lang="en-US" smtClean="0"/>
-              <a:t>8/6/2025</a:t>
+              <a:t>8/12/2025</a:t>
             </a:fld>
             <a:endParaRPr lang="en-US"/>
           </a:p>
@@ -1233,7 +1233,7 @@
           <a:p>
             <a:fld id="{1D55B07B-5318-4CD0-B875-3612C319D3A0}" type="datetimeFigureOut">
               <a:rPr lang="en-US" smtClean="0"/>
-              <a:t>8/6/2025</a:t>
+              <a:t>8/12/2025</a:t>
             </a:fld>
             <a:endParaRPr lang="en-US"/>
           </a:p>
@@ -1597,7 +1597,7 @@
           <a:p>
             <a:fld id="{1D55B07B-5318-4CD0-B875-3612C319D3A0}" type="datetimeFigureOut">
               <a:rPr lang="en-US" smtClean="0"/>
-              <a:t>8/6/2025</a:t>
+              <a:t>8/12/2025</a:t>
             </a:fld>
             <a:endParaRPr lang="en-US"/>
           </a:p>
@@ -1714,7 +1714,7 @@
           <a:p>
             <a:fld id="{1D55B07B-5318-4CD0-B875-3612C319D3A0}" type="datetimeFigureOut">
               <a:rPr lang="en-US" smtClean="0"/>
-              <a:t>8/6/2025</a:t>
+              <a:t>8/12/2025</a:t>
             </a:fld>
             <a:endParaRPr lang="en-US"/>
           </a:p>
@@ -1809,7 +1809,7 @@
           <a:p>
             <a:fld id="{1D55B07B-5318-4CD0-B875-3612C319D3A0}" type="datetimeFigureOut">
               <a:rPr lang="en-US" smtClean="0"/>
-              <a:t>8/6/2025</a:t>
+              <a:t>8/12/2025</a:t>
             </a:fld>
             <a:endParaRPr lang="en-US"/>
           </a:p>
@@ -2084,7 +2084,7 @@
           <a:p>
             <a:fld id="{1D55B07B-5318-4CD0-B875-3612C319D3A0}" type="datetimeFigureOut">
               <a:rPr lang="en-US" smtClean="0"/>
-              <a:t>8/6/2025</a:t>
+              <a:t>8/12/2025</a:t>
             </a:fld>
             <a:endParaRPr lang="en-US"/>
           </a:p>
@@ -2336,7 +2336,7 @@
           <a:p>
             <a:fld id="{1D55B07B-5318-4CD0-B875-3612C319D3A0}" type="datetimeFigureOut">
               <a:rPr lang="en-US" smtClean="0"/>
-              <a:t>8/6/2025</a:t>
+              <a:t>8/12/2025</a:t>
             </a:fld>
             <a:endParaRPr lang="en-US"/>
           </a:p>
@@ -2547,7 +2547,7 @@
           <a:p>
             <a:fld id="{1D55B07B-5318-4CD0-B875-3612C319D3A0}" type="datetimeFigureOut">
               <a:rPr lang="en-US" smtClean="0"/>
-              <a:t>8/6/2025</a:t>
+              <a:t>8/12/2025</a:t>
             </a:fld>
             <a:endParaRPr lang="en-US"/>
           </a:p>
